--- a/presentation/Standup 1.pptx
+++ b/presentation/Standup 1.pptx
@@ -5,15 +5,16 @@
     <p:sldMasterId id="2147483660" r:id="rId4"/>
   </p:sldMasterIdLst>
   <p:notesMasterIdLst>
-    <p:notesMasterId r:id="rId11"/>
+    <p:notesMasterId r:id="rId12"/>
   </p:notesMasterIdLst>
   <p:sldIdLst>
     <p:sldId id="256" r:id="rId5"/>
     <p:sldId id="257" r:id="rId6"/>
     <p:sldId id="258" r:id="rId7"/>
-    <p:sldId id="259" r:id="rId8"/>
-    <p:sldId id="261" r:id="rId9"/>
-    <p:sldId id="260" r:id="rId10"/>
+    <p:sldId id="262" r:id="rId8"/>
+    <p:sldId id="259" r:id="rId9"/>
+    <p:sldId id="261" r:id="rId10"/>
+    <p:sldId id="260" r:id="rId11"/>
   </p:sldIdLst>
   <p:sldSz cx="12192000" cy="6858000"/>
   <p:notesSz cx="6858000" cy="9144000"/>
@@ -202,7 +203,7 @@
           <a:p>
             <a:fld id="{0D041FD0-D915-4EC7-8384-5AFD352B34A1}" type="datetimeFigureOut">
               <a:rPr lang="en-US" smtClean="0"/>
-              <a:t>9/23/24</a:t>
+              <a:t>9/26/24</a:t>
             </a:fld>
             <a:endParaRPr lang="en-US"/>
           </a:p>
@@ -562,6 +563,144 @@
 </p:notes>
 </file>
 
+<file path=ppt/notesSlides/notesSlide2.xml><?xml version="1.0" encoding="utf-8"?>
+<p:notes xmlns:a="http://schemas.openxmlformats.org/drawingml/2006/main" xmlns:r="http://schemas.openxmlformats.org/officeDocument/2006/relationships" xmlns:p="http://schemas.openxmlformats.org/presentationml/2006/main">
+  <p:cSld>
+    <p:spTree>
+      <p:nvGrpSpPr>
+        <p:cNvPr id="1" name=""/>
+        <p:cNvGrpSpPr/>
+        <p:nvPr/>
+      </p:nvGrpSpPr>
+      <p:grpSpPr>
+        <a:xfrm>
+          <a:off x="0" y="0"/>
+          <a:ext cx="0" cy="0"/>
+          <a:chOff x="0" y="0"/>
+          <a:chExt cx="0" cy="0"/>
+        </a:xfrm>
+      </p:grpSpPr>
+      <p:sp>
+        <p:nvSpPr>
+          <p:cNvPr id="2" name="Slide Image Placeholder 1"/>
+          <p:cNvSpPr>
+            <a:spLocks noGrp="1" noRot="1" noChangeAspect="1"/>
+          </p:cNvSpPr>
+          <p:nvPr>
+            <p:ph type="sldImg"/>
+          </p:nvPr>
+        </p:nvSpPr>
+        <p:spPr/>
+      </p:sp>
+      <p:sp>
+        <p:nvSpPr>
+          <p:cNvPr id="3" name="Notes Placeholder 2"/>
+          <p:cNvSpPr>
+            <a:spLocks noGrp="1"/>
+          </p:cNvSpPr>
+          <p:nvPr>
+            <p:ph type="body" idx="1"/>
+          </p:nvPr>
+        </p:nvSpPr>
+        <p:spPr/>
+        <p:txBody>
+          <a:bodyPr/>
+          <a:lstStyle/>
+          <a:p>
+            <a:r>
+              <a:rPr lang="en-US" b="0" dirty="0">
+                <a:solidFill>
+                  <a:srgbClr val="CCCCCC"/>
+                </a:solidFill>
+                <a:effectLst/>
+                <a:latin typeface="Menlo" panose="020B0609030804020204" pitchFamily="49" charset="0"/>
+              </a:rPr>
+              <a:t>Total Return shows how much profit the strategy made as a percentage of the initial capital.</a:t>
+            </a:r>
+          </a:p>
+          <a:p>
+            <a:br>
+              <a:rPr lang="en-US" b="0" dirty="0">
+                <a:solidFill>
+                  <a:srgbClr val="CCCCCC"/>
+                </a:solidFill>
+                <a:effectLst/>
+                <a:latin typeface="Menlo" panose="020B0609030804020204" pitchFamily="49" charset="0"/>
+              </a:rPr>
+            </a:br>
+            <a:r>
+              <a:rPr lang="en-US" b="0" dirty="0">
+                <a:solidFill>
+                  <a:srgbClr val="CCCCCC"/>
+                </a:solidFill>
+                <a:effectLst/>
+                <a:latin typeface="Menlo" panose="020B0609030804020204" pitchFamily="49" charset="0"/>
+              </a:rPr>
+              <a:t>Max Drawdown shows the worst-case scenario of how much the portfolio could have lost from its highest point.</a:t>
+            </a:r>
+          </a:p>
+          <a:p>
+            <a:br>
+              <a:rPr lang="en-US" b="0" dirty="0">
+                <a:solidFill>
+                  <a:srgbClr val="CCCCCC"/>
+                </a:solidFill>
+                <a:effectLst/>
+                <a:latin typeface="Menlo" panose="020B0609030804020204" pitchFamily="49" charset="0"/>
+              </a:rPr>
+            </a:br>
+            <a:r>
+              <a:rPr lang="en-US" b="0" dirty="0">
+                <a:solidFill>
+                  <a:srgbClr val="CCCCCC"/>
+                </a:solidFill>
+                <a:effectLst/>
+                <a:latin typeface="Menlo" panose="020B0609030804020204" pitchFamily="49" charset="0"/>
+              </a:rPr>
+              <a:t>Sharpe Ratio evaluates how much return you earned for the risk you took, with a higher ratio indicating a better risk-adjusted return.</a:t>
+            </a:r>
+          </a:p>
+          <a:p>
+            <a:endParaRPr lang="en-US" dirty="0"/>
+          </a:p>
+        </p:txBody>
+      </p:sp>
+      <p:sp>
+        <p:nvSpPr>
+          <p:cNvPr id="4" name="Slide Number Placeholder 3"/>
+          <p:cNvSpPr>
+            <a:spLocks noGrp="1"/>
+          </p:cNvSpPr>
+          <p:nvPr>
+            <p:ph type="sldNum" sz="quarter" idx="5"/>
+          </p:nvPr>
+        </p:nvSpPr>
+        <p:spPr/>
+        <p:txBody>
+          <a:bodyPr/>
+          <a:lstStyle/>
+          <a:p>
+            <a:fld id="{531D13CD-66F2-4CB3-ACBB-6CF6081D754D}" type="slidenum">
+              <a:rPr lang="en-US" smtClean="0"/>
+              <a:t>7</a:t>
+            </a:fld>
+            <a:endParaRPr lang="en-US"/>
+          </a:p>
+        </p:txBody>
+      </p:sp>
+    </p:spTree>
+    <p:extLst>
+      <p:ext uri="{BB962C8B-B14F-4D97-AF65-F5344CB8AC3E}">
+        <p14:creationId xmlns:p14="http://schemas.microsoft.com/office/powerpoint/2010/main" val="1662669872"/>
+      </p:ext>
+    </p:extLst>
+  </p:cSld>
+  <p:clrMapOvr>
+    <a:masterClrMapping/>
+  </p:clrMapOvr>
+</p:notes>
+</file>
+
 <file path=ppt/slideLayouts/slideLayout1.xml><?xml version="1.0" encoding="utf-8"?>
 <p:sldLayout xmlns:a="http://schemas.openxmlformats.org/drawingml/2006/main" xmlns:r="http://schemas.openxmlformats.org/officeDocument/2006/relationships" xmlns:p="http://schemas.openxmlformats.org/presentationml/2006/main" type="title" preserve="1">
   <p:cSld name="Title Slide">
@@ -720,7 +859,7 @@
           <a:p>
             <a:fld id="{02AC24A9-CCB6-4F8D-B8DB-C2F3692CFA5A}" type="datetimeFigureOut">
               <a:rPr lang="en-US" smtClean="0"/>
-              <a:t>9/23/24</a:t>
+              <a:t>9/26/24</a:t>
             </a:fld>
             <a:endParaRPr lang="en-US" dirty="0"/>
           </a:p>
@@ -1090,7 +1229,7 @@
           <a:p>
             <a:fld id="{02AC24A9-CCB6-4F8D-B8DB-C2F3692CFA5A}" type="datetimeFigureOut">
               <a:rPr lang="en-US" smtClean="0"/>
-              <a:t>9/23/24</a:t>
+              <a:t>9/26/24</a:t>
             </a:fld>
             <a:endParaRPr lang="en-US"/>
           </a:p>
@@ -1299,7 +1438,7 @@
           <a:p>
             <a:fld id="{02AC24A9-CCB6-4F8D-B8DB-C2F3692CFA5A}" type="datetimeFigureOut">
               <a:rPr lang="en-US" smtClean="0"/>
-              <a:t>9/23/24</a:t>
+              <a:t>9/26/24</a:t>
             </a:fld>
             <a:endParaRPr lang="en-US"/>
           </a:p>
@@ -1771,7 +1910,7 @@
           <a:p>
             <a:fld id="{02AC24A9-CCB6-4F8D-B8DB-C2F3692CFA5A}" type="datetimeFigureOut">
               <a:rPr lang="en-US" smtClean="0"/>
-              <a:t>9/23/24</a:t>
+              <a:t>9/26/24</a:t>
             </a:fld>
             <a:endParaRPr lang="en-US"/>
           </a:p>
@@ -2226,7 +2365,7 @@
           <a:p>
             <a:fld id="{02AC24A9-CCB6-4F8D-B8DB-C2F3692CFA5A}" type="datetimeFigureOut">
               <a:rPr lang="en-US" smtClean="0"/>
-              <a:t>9/23/24</a:t>
+              <a:t>9/26/24</a:t>
             </a:fld>
             <a:endParaRPr lang="en-US"/>
           </a:p>
@@ -2761,7 +2900,7 @@
           <a:p>
             <a:fld id="{02AC24A9-CCB6-4F8D-B8DB-C2F3692CFA5A}" type="datetimeFigureOut">
               <a:rPr lang="en-US" smtClean="0"/>
-              <a:t>9/23/24</a:t>
+              <a:t>9/26/24</a:t>
             </a:fld>
             <a:endParaRPr lang="en-US"/>
           </a:p>
@@ -3463,7 +3602,7 @@
           <a:p>
             <a:fld id="{02AC24A9-CCB6-4F8D-B8DB-C2F3692CFA5A}" type="datetimeFigureOut">
               <a:rPr lang="en-US" smtClean="0"/>
-              <a:t>9/23/24</a:t>
+              <a:t>9/26/24</a:t>
             </a:fld>
             <a:endParaRPr lang="en-US"/>
           </a:p>
@@ -3793,7 +3932,7 @@
           <a:p>
             <a:fld id="{02AC24A9-CCB6-4F8D-B8DB-C2F3692CFA5A}" type="datetimeFigureOut">
               <a:rPr lang="en-US" smtClean="0"/>
-              <a:t>9/23/24</a:t>
+              <a:t>9/26/24</a:t>
             </a:fld>
             <a:endParaRPr lang="en-US"/>
           </a:p>
@@ -3906,7 +4045,7 @@
           <a:p>
             <a:fld id="{02AC24A9-CCB6-4F8D-B8DB-C2F3692CFA5A}" type="datetimeFigureOut">
               <a:rPr lang="en-US" smtClean="0"/>
-              <a:t>9/23/24</a:t>
+              <a:t>9/26/24</a:t>
             </a:fld>
             <a:endParaRPr lang="en-US"/>
           </a:p>
@@ -4403,7 +4542,7 @@
           <a:p>
             <a:fld id="{02AC24A9-CCB6-4F8D-B8DB-C2F3692CFA5A}" type="datetimeFigureOut">
               <a:rPr lang="en-US" smtClean="0"/>
-              <a:t>9/23/24</a:t>
+              <a:t>9/26/24</a:t>
             </a:fld>
             <a:endParaRPr lang="en-US" dirty="0"/>
           </a:p>
@@ -4882,7 +5021,7 @@
           <a:p>
             <a:fld id="{02AC24A9-CCB6-4F8D-B8DB-C2F3692CFA5A}" type="datetimeFigureOut">
               <a:rPr lang="en-US" smtClean="0"/>
-              <a:t>9/23/24</a:t>
+              <a:t>9/26/24</a:t>
             </a:fld>
             <a:endParaRPr lang="en-US"/>
           </a:p>
@@ -5125,7 +5264,7 @@
           <a:p>
             <a:fld id="{02AC24A9-CCB6-4F8D-B8DB-C2F3692CFA5A}" type="datetimeFigureOut">
               <a:rPr lang="en-US" smtClean="0"/>
-              <a:t>9/23/24</a:t>
+              <a:t>9/26/24</a:t>
             </a:fld>
             <a:endParaRPr lang="en-US"/>
           </a:p>
@@ -5832,6 +5971,160 @@
           <a:chExt cx="0" cy="0"/>
         </a:xfrm>
       </p:grpSpPr>
+      <p:sp>
+        <p:nvSpPr>
+          <p:cNvPr id="2" name="Title 1">
+            <a:extLst>
+              <a:ext uri="{FF2B5EF4-FFF2-40B4-BE49-F238E27FC236}">
+                <a16:creationId xmlns:a16="http://schemas.microsoft.com/office/drawing/2014/main" id="{5095ADE8-66DD-0A7A-843A-83E594064211}"/>
+              </a:ext>
+            </a:extLst>
+          </p:cNvPr>
+          <p:cNvSpPr>
+            <a:spLocks noGrp="1"/>
+          </p:cNvSpPr>
+          <p:nvPr>
+            <p:ph type="title"/>
+          </p:nvPr>
+        </p:nvSpPr>
+        <p:spPr/>
+        <p:txBody>
+          <a:bodyPr/>
+          <a:lstStyle/>
+          <a:p>
+            <a:r>
+              <a:rPr lang="en-US" dirty="0"/>
+              <a:t>Update</a:t>
+            </a:r>
+          </a:p>
+        </p:txBody>
+      </p:sp>
+      <p:sp>
+        <p:nvSpPr>
+          <p:cNvPr id="3" name="Content Placeholder 2">
+            <a:extLst>
+              <a:ext uri="{FF2B5EF4-FFF2-40B4-BE49-F238E27FC236}">
+                <a16:creationId xmlns:a16="http://schemas.microsoft.com/office/drawing/2014/main" id="{AE3DD14E-D900-DD78-E119-D72737B7BB70}"/>
+              </a:ext>
+            </a:extLst>
+          </p:cNvPr>
+          <p:cNvSpPr>
+            <a:spLocks noGrp="1"/>
+          </p:cNvSpPr>
+          <p:nvPr>
+            <p:ph idx="1"/>
+          </p:nvPr>
+        </p:nvSpPr>
+        <p:spPr>
+          <a:xfrm>
+            <a:off x="1115568" y="2478023"/>
+            <a:ext cx="10168128" cy="4295851"/>
+          </a:xfrm>
+        </p:spPr>
+        <p:txBody>
+          <a:bodyPr>
+            <a:normAutofit/>
+          </a:bodyPr>
+          <a:lstStyle/>
+          <a:p>
+            <a:r>
+              <a:rPr lang="en-US" dirty="0"/>
+              <a:t>Implemented </a:t>
+            </a:r>
+          </a:p>
+          <a:p>
+            <a:pPr lvl="1"/>
+            <a:r>
+              <a:rPr lang="en-US" dirty="0"/>
+              <a:t>Simple Moving averages(MA) strategy</a:t>
+            </a:r>
+          </a:p>
+          <a:p>
+            <a:pPr lvl="2"/>
+            <a:r>
+              <a:rPr lang="en-US" dirty="0"/>
+              <a:t>Back Testing in progress</a:t>
+            </a:r>
+          </a:p>
+          <a:p>
+            <a:pPr lvl="1"/>
+            <a:r>
+              <a:rPr lang="en-US" dirty="0"/>
+              <a:t>Relative Strength Index(RSI)</a:t>
+            </a:r>
+          </a:p>
+          <a:p>
+            <a:pPr lvl="2"/>
+            <a:r>
+              <a:rPr lang="en-US" dirty="0"/>
+              <a:t>Combined with MA	</a:t>
+            </a:r>
+          </a:p>
+          <a:p>
+            <a:r>
+              <a:rPr lang="en-US" dirty="0"/>
+              <a:t>Planned </a:t>
+            </a:r>
+          </a:p>
+          <a:p>
+            <a:pPr lvl="1"/>
+            <a:r>
+              <a:rPr lang="en-US" dirty="0"/>
+              <a:t>EMA, WMA, CMA and pick the best</a:t>
+            </a:r>
+          </a:p>
+          <a:p>
+            <a:pPr lvl="1"/>
+            <a:r>
+              <a:rPr lang="en-US" dirty="0"/>
+              <a:t>Moving average Convergence divergence(MACD) </a:t>
+            </a:r>
+            <a:br>
+              <a:rPr lang="en-US" dirty="0"/>
+            </a:br>
+            <a:r>
+              <a:rPr lang="en-US" dirty="0"/>
+              <a:t>+ RSI</a:t>
+            </a:r>
+          </a:p>
+          <a:p>
+            <a:endParaRPr lang="en-US" dirty="0"/>
+          </a:p>
+          <a:p>
+            <a:endParaRPr lang="en-US" dirty="0"/>
+          </a:p>
+        </p:txBody>
+      </p:sp>
+    </p:spTree>
+    <p:extLst>
+      <p:ext uri="{BB962C8B-B14F-4D97-AF65-F5344CB8AC3E}">
+        <p14:creationId xmlns:p14="http://schemas.microsoft.com/office/powerpoint/2010/main" val="733561012"/>
+      </p:ext>
+    </p:extLst>
+  </p:cSld>
+  <p:clrMapOvr>
+    <a:masterClrMapping/>
+  </p:clrMapOvr>
+</p:sld>
+</file>
+
+<file path=ppt/slides/slide5.xml><?xml version="1.0" encoding="utf-8"?>
+<p:sld xmlns:a="http://schemas.openxmlformats.org/drawingml/2006/main" xmlns:r="http://schemas.openxmlformats.org/officeDocument/2006/relationships" xmlns:p="http://schemas.openxmlformats.org/presentationml/2006/main">
+  <p:cSld>
+    <p:spTree>
+      <p:nvGrpSpPr>
+        <p:cNvPr id="1" name=""/>
+        <p:cNvGrpSpPr/>
+        <p:nvPr/>
+      </p:nvGrpSpPr>
+      <p:grpSpPr>
+        <a:xfrm>
+          <a:off x="0" y="0"/>
+          <a:ext cx="0" cy="0"/>
+          <a:chOff x="0" y="0"/>
+          <a:chExt cx="0" cy="0"/>
+        </a:xfrm>
+      </p:grpSpPr>
       <p:pic>
         <p:nvPicPr>
           <p:cNvPr id="4" name="Picture 3">
@@ -5905,7 +6198,7 @@
 </p:sld>
 </file>
 
-<file path=ppt/slides/slide5.xml><?xml version="1.0" encoding="utf-8"?>
+<file path=ppt/slides/slide6.xml><?xml version="1.0" encoding="utf-8"?>
 <p:sld xmlns:a="http://schemas.openxmlformats.org/drawingml/2006/main" xmlns:r="http://schemas.openxmlformats.org/officeDocument/2006/relationships" xmlns:p="http://schemas.openxmlformats.org/presentationml/2006/main">
   <p:cSld>
     <p:spTree>
@@ -5958,6 +6251,36 @@
           </a:prstGeom>
         </p:spPr>
       </p:pic>
+      <p:pic>
+        <p:nvPicPr>
+          <p:cNvPr id="2" name="Picture 1">
+            <a:extLst>
+              <a:ext uri="{FF2B5EF4-FFF2-40B4-BE49-F238E27FC236}">
+                <a16:creationId xmlns:a16="http://schemas.microsoft.com/office/drawing/2014/main" id="{F2907595-A82D-0C61-0077-E84DD009A8BD}"/>
+              </a:ext>
+            </a:extLst>
+          </p:cNvPr>
+          <p:cNvPicPr>
+            <a:picLocks noChangeAspect="1"/>
+          </p:cNvPicPr>
+          <p:nvPr/>
+        </p:nvPicPr>
+        <p:blipFill>
+          <a:blip r:embed="rId3"/>
+          <a:stretch>
+            <a:fillRect/>
+          </a:stretch>
+        </p:blipFill>
+        <p:spPr>
+          <a:xfrm>
+            <a:off x="1033106" y="3426307"/>
+            <a:ext cx="7772400" cy="2830775"/>
+          </a:xfrm>
+          <a:prstGeom prst="rect">
+            <a:avLst/>
+          </a:prstGeom>
+        </p:spPr>
+      </p:pic>
     </p:spTree>
     <p:extLst>
       <p:ext uri="{BB962C8B-B14F-4D97-AF65-F5344CB8AC3E}">
@@ -5971,7 +6294,7 @@
 </p:sld>
 </file>
 
-<file path=ppt/slides/slide6.xml><?xml version="1.0" encoding="utf-8"?>
+<file path=ppt/slides/slide7.xml><?xml version="1.0" encoding="utf-8"?>
 <p:sld xmlns:a="http://schemas.openxmlformats.org/drawingml/2006/main" xmlns:r="http://schemas.openxmlformats.org/officeDocument/2006/relationships" xmlns:p="http://schemas.openxmlformats.org/presentationml/2006/main">
   <p:cSld>
     <p:spTree>
@@ -6039,20 +6362,20 @@
           <a:p>
             <a:r>
               <a:rPr lang="en-US" dirty="0"/>
-              <a:t>Optimized Moving average windows</a:t>
+              <a:t>Evaluating using performance metrics</a:t>
             </a:r>
           </a:p>
           <a:p>
             <a:r>
               <a:rPr lang="en-US" dirty="0"/>
-              <a:t>RSI lookback period optimization</a:t>
-            </a:r>
-          </a:p>
-          <a:p>
-            <a:r>
-              <a:rPr lang="en-US" dirty="0"/>
-              <a:t>Tested in Different Market Regimes</a:t>
-            </a:r>
+              <a:t>Back testing Moving averages </a:t>
+            </a:r>
+          </a:p>
+          <a:p>
+            <a:pPr marL="0" indent="0">
+              <a:buNone/>
+            </a:pPr>
+            <a:endParaRPr lang="en-US" dirty="0"/>
           </a:p>
         </p:txBody>
       </p:sp>
@@ -6586,20 +6909,20 @@
 </file>
 
 <file path=customXml/item1.xml><?xml version="1.0" encoding="utf-8"?>
+<p:properties xmlns:p="http://schemas.microsoft.com/office/2006/metadata/properties" xmlns:xsi="http://www.w3.org/2001/XMLSchema-instance" xmlns:pc="http://schemas.microsoft.com/office/infopath/2007/PartnerControls">
+  <documentManagement>
+    <_activity xmlns="7075bad5-233c-4b0e-9903-8affd2618abc" xsi:nil="true"/>
+  </documentManagement>
+</p:properties>
+</file>
+
+<file path=customXml/item2.xml><?xml version="1.0" encoding="utf-8"?>
 <?mso-contentType ?>
 <FormTemplates xmlns="http://schemas.microsoft.com/sharepoint/v3/contenttype/forms">
   <Display>DocumentLibraryForm</Display>
   <Edit>DocumentLibraryForm</Edit>
   <New>DocumentLibraryForm</New>
 </FormTemplates>
-</file>
-
-<file path=customXml/item2.xml><?xml version="1.0" encoding="utf-8"?>
-<p:properties xmlns:p="http://schemas.microsoft.com/office/2006/metadata/properties" xmlns:xsi="http://www.w3.org/2001/XMLSchema-instance" xmlns:pc="http://schemas.microsoft.com/office/infopath/2007/PartnerControls">
-  <documentManagement>
-    <_activity xmlns="7075bad5-233c-4b0e-9903-8affd2618abc" xsi:nil="true"/>
-  </documentManagement>
-</p:properties>
 </file>
 
 <file path=customXml/item3.xml><?xml version="1.0" encoding="utf-8"?>
@@ -6792,14 +7115,6 @@
 </file>
 
 <file path=customXml/itemProps1.xml><?xml version="1.0" encoding="utf-8"?>
-<ds:datastoreItem xmlns:ds="http://schemas.openxmlformats.org/officeDocument/2006/customXml" ds:itemID="{6FA10C29-5137-49FA-9F2D-040C21F563DC}">
-  <ds:schemaRefs>
-    <ds:schemaRef ds:uri="http://schemas.microsoft.com/sharepoint/v3/contenttype/forms"/>
-  </ds:schemaRefs>
-</ds:datastoreItem>
-</file>
-
-<file path=customXml/itemProps2.xml><?xml version="1.0" encoding="utf-8"?>
 <ds:datastoreItem xmlns:ds="http://schemas.openxmlformats.org/officeDocument/2006/customXml" ds:itemID="{1EB1D61D-03E6-4AE6-9AEB-4C0517DF9C10}">
   <ds:schemaRefs>
     <ds:schemaRef ds:uri="http://www.w3.org/XML/1998/namespace"/>
@@ -6812,6 +7127,14 @@
     <ds:schemaRef ds:uri="http://schemas.openxmlformats.org/package/2006/metadata/core-properties"/>
     <ds:schemaRef ds:uri="http://schemas.microsoft.com/office/2006/metadata/properties"/>
     <ds:schemaRef ds:uri="http://purl.org/dc/terms/"/>
+  </ds:schemaRefs>
+</ds:datastoreItem>
+</file>
+
+<file path=customXml/itemProps2.xml><?xml version="1.0" encoding="utf-8"?>
+<ds:datastoreItem xmlns:ds="http://schemas.openxmlformats.org/officeDocument/2006/customXml" ds:itemID="{6FA10C29-5137-49FA-9F2D-040C21F563DC}">
+  <ds:schemaRefs>
+    <ds:schemaRef ds:uri="http://schemas.microsoft.com/sharepoint/v3/contenttype/forms"/>
   </ds:schemaRefs>
 </ds:datastoreItem>
 </file>

--- a/presentation/Standup 1.pptx
+++ b/presentation/Standup 1.pptx
@@ -564,6 +564,97 @@
 </file>
 
 <file path=ppt/notesSlides/notesSlide2.xml><?xml version="1.0" encoding="utf-8"?>
+<p:notes xmlns:a="http://schemas.openxmlformats.org/drawingml/2006/main" xmlns:r="http://schemas.openxmlformats.org/officeDocument/2006/relationships" xmlns:p="http://schemas.openxmlformats.org/presentationml/2006/main">
+  <p:cSld>
+    <p:spTree>
+      <p:nvGrpSpPr>
+        <p:cNvPr id="1" name=""/>
+        <p:cNvGrpSpPr/>
+        <p:nvPr/>
+      </p:nvGrpSpPr>
+      <p:grpSpPr>
+        <a:xfrm>
+          <a:off x="0" y="0"/>
+          <a:ext cx="0" cy="0"/>
+          <a:chOff x="0" y="0"/>
+          <a:chExt cx="0" cy="0"/>
+        </a:xfrm>
+      </p:grpSpPr>
+      <p:sp>
+        <p:nvSpPr>
+          <p:cNvPr id="2" name="Slide Image Placeholder 1"/>
+          <p:cNvSpPr>
+            <a:spLocks noGrp="1" noRot="1" noChangeAspect="1"/>
+          </p:cNvSpPr>
+          <p:nvPr>
+            <p:ph type="sldImg"/>
+          </p:nvPr>
+        </p:nvSpPr>
+        <p:spPr/>
+      </p:sp>
+      <p:sp>
+        <p:nvSpPr>
+          <p:cNvPr id="3" name="Notes Placeholder 2"/>
+          <p:cNvSpPr>
+            <a:spLocks noGrp="1"/>
+          </p:cNvSpPr>
+          <p:nvPr>
+            <p:ph type="body" idx="1"/>
+          </p:nvPr>
+        </p:nvSpPr>
+        <p:spPr/>
+        <p:txBody>
+          <a:bodyPr/>
+          <a:lstStyle/>
+          <a:p>
+            <a:r>
+              <a:rPr lang="en-US" b="1" dirty="0"/>
+              <a:t>Back testing</a:t>
+            </a:r>
+            <a:r>
+              <a:rPr lang="en-US" dirty="0"/>
+              <a:t> is the process of evaluating a trading strategy or investment model by applying it to historical data to see how it would have performed in the past.</a:t>
+            </a:r>
+          </a:p>
+        </p:txBody>
+      </p:sp>
+      <p:sp>
+        <p:nvSpPr>
+          <p:cNvPr id="4" name="Slide Number Placeholder 3"/>
+          <p:cNvSpPr>
+            <a:spLocks noGrp="1"/>
+          </p:cNvSpPr>
+          <p:nvPr>
+            <p:ph type="sldNum" sz="quarter" idx="5"/>
+          </p:nvPr>
+        </p:nvSpPr>
+        <p:spPr/>
+        <p:txBody>
+          <a:bodyPr/>
+          <a:lstStyle/>
+          <a:p>
+            <a:fld id="{531D13CD-66F2-4CB3-ACBB-6CF6081D754D}" type="slidenum">
+              <a:rPr lang="en-US" smtClean="0"/>
+              <a:t>4</a:t>
+            </a:fld>
+            <a:endParaRPr lang="en-US"/>
+          </a:p>
+        </p:txBody>
+      </p:sp>
+    </p:spTree>
+    <p:extLst>
+      <p:ext uri="{BB962C8B-B14F-4D97-AF65-F5344CB8AC3E}">
+        <p14:creationId xmlns:p14="http://schemas.microsoft.com/office/powerpoint/2010/main" val="843297527"/>
+      </p:ext>
+    </p:extLst>
+  </p:cSld>
+  <p:clrMapOvr>
+    <a:masterClrMapping/>
+  </p:clrMapOvr>
+</p:notes>
+</file>
+
+<file path=ppt/notesSlides/notesSlide3.xml><?xml version="1.0" encoding="utf-8"?>
 <p:notes xmlns:a="http://schemas.openxmlformats.org/drawingml/2006/main" xmlns:r="http://schemas.openxmlformats.org/officeDocument/2006/relationships" xmlns:p="http://schemas.openxmlformats.org/presentationml/2006/main">
   <p:cSld>
     <p:spTree>

--- a/presentation/Standup 1.pptx
+++ b/presentation/Standup 1.pptx
@@ -203,7 +203,7 @@
           <a:p>
             <a:fld id="{0D041FD0-D915-4EC7-8384-5AFD352B34A1}" type="datetimeFigureOut">
               <a:rPr lang="en-US" smtClean="0"/>
-              <a:t>9/26/24</a:t>
+              <a:t>10/21/24</a:t>
             </a:fld>
             <a:endParaRPr lang="en-US"/>
           </a:p>
@@ -607,14 +607,7 @@
           <a:bodyPr/>
           <a:lstStyle/>
           <a:p>
-            <a:r>
-              <a:rPr lang="en-US" b="1" dirty="0"/>
-              <a:t>Back testing</a:t>
-            </a:r>
-            <a:r>
-              <a:rPr lang="en-US" dirty="0"/>
-              <a:t> is the process of evaluating a trading strategy or investment model by applying it to historical data to see how it would have performed in the past.</a:t>
-            </a:r>
+            <a:endParaRPr lang="en-US" dirty="0"/>
           </a:p>
         </p:txBody>
       </p:sp>
@@ -950,7 +943,7 @@
           <a:p>
             <a:fld id="{02AC24A9-CCB6-4F8D-B8DB-C2F3692CFA5A}" type="datetimeFigureOut">
               <a:rPr lang="en-US" smtClean="0"/>
-              <a:t>9/26/24</a:t>
+              <a:t>10/21/24</a:t>
             </a:fld>
             <a:endParaRPr lang="en-US" dirty="0"/>
           </a:p>
@@ -1320,7 +1313,7 @@
           <a:p>
             <a:fld id="{02AC24A9-CCB6-4F8D-B8DB-C2F3692CFA5A}" type="datetimeFigureOut">
               <a:rPr lang="en-US" smtClean="0"/>
-              <a:t>9/26/24</a:t>
+              <a:t>10/21/24</a:t>
             </a:fld>
             <a:endParaRPr lang="en-US"/>
           </a:p>
@@ -1529,7 +1522,7 @@
           <a:p>
             <a:fld id="{02AC24A9-CCB6-4F8D-B8DB-C2F3692CFA5A}" type="datetimeFigureOut">
               <a:rPr lang="en-US" smtClean="0"/>
-              <a:t>9/26/24</a:t>
+              <a:t>10/21/24</a:t>
             </a:fld>
             <a:endParaRPr lang="en-US"/>
           </a:p>
@@ -2001,7 +1994,7 @@
           <a:p>
             <a:fld id="{02AC24A9-CCB6-4F8D-B8DB-C2F3692CFA5A}" type="datetimeFigureOut">
               <a:rPr lang="en-US" smtClean="0"/>
-              <a:t>9/26/24</a:t>
+              <a:t>10/21/24</a:t>
             </a:fld>
             <a:endParaRPr lang="en-US"/>
           </a:p>
@@ -2456,7 +2449,7 @@
           <a:p>
             <a:fld id="{02AC24A9-CCB6-4F8D-B8DB-C2F3692CFA5A}" type="datetimeFigureOut">
               <a:rPr lang="en-US" smtClean="0"/>
-              <a:t>9/26/24</a:t>
+              <a:t>10/21/24</a:t>
             </a:fld>
             <a:endParaRPr lang="en-US"/>
           </a:p>
@@ -2991,7 +2984,7 @@
           <a:p>
             <a:fld id="{02AC24A9-CCB6-4F8D-B8DB-C2F3692CFA5A}" type="datetimeFigureOut">
               <a:rPr lang="en-US" smtClean="0"/>
-              <a:t>9/26/24</a:t>
+              <a:t>10/21/24</a:t>
             </a:fld>
             <a:endParaRPr lang="en-US"/>
           </a:p>
@@ -3693,7 +3686,7 @@
           <a:p>
             <a:fld id="{02AC24A9-CCB6-4F8D-B8DB-C2F3692CFA5A}" type="datetimeFigureOut">
               <a:rPr lang="en-US" smtClean="0"/>
-              <a:t>9/26/24</a:t>
+              <a:t>10/21/24</a:t>
             </a:fld>
             <a:endParaRPr lang="en-US"/>
           </a:p>
@@ -4023,7 +4016,7 @@
           <a:p>
             <a:fld id="{02AC24A9-CCB6-4F8D-B8DB-C2F3692CFA5A}" type="datetimeFigureOut">
               <a:rPr lang="en-US" smtClean="0"/>
-              <a:t>9/26/24</a:t>
+              <a:t>10/21/24</a:t>
             </a:fld>
             <a:endParaRPr lang="en-US"/>
           </a:p>
@@ -4136,7 +4129,7 @@
           <a:p>
             <a:fld id="{02AC24A9-CCB6-4F8D-B8DB-C2F3692CFA5A}" type="datetimeFigureOut">
               <a:rPr lang="en-US" smtClean="0"/>
-              <a:t>9/26/24</a:t>
+              <a:t>10/21/24</a:t>
             </a:fld>
             <a:endParaRPr lang="en-US"/>
           </a:p>
@@ -4633,7 +4626,7 @@
           <a:p>
             <a:fld id="{02AC24A9-CCB6-4F8D-B8DB-C2F3692CFA5A}" type="datetimeFigureOut">
               <a:rPr lang="en-US" smtClean="0"/>
-              <a:t>9/26/24</a:t>
+              <a:t>10/21/24</a:t>
             </a:fld>
             <a:endParaRPr lang="en-US" dirty="0"/>
           </a:p>
@@ -5112,7 +5105,7 @@
           <a:p>
             <a:fld id="{02AC24A9-CCB6-4F8D-B8DB-C2F3692CFA5A}" type="datetimeFigureOut">
               <a:rPr lang="en-US" smtClean="0"/>
-              <a:t>9/26/24</a:t>
+              <a:t>10/21/24</a:t>
             </a:fld>
             <a:endParaRPr lang="en-US"/>
           </a:p>
@@ -5355,7 +5348,7 @@
           <a:p>
             <a:fld id="{02AC24A9-CCB6-4F8D-B8DB-C2F3692CFA5A}" type="datetimeFigureOut">
               <a:rPr lang="en-US" smtClean="0"/>
-              <a:t>9/26/24</a:t>
+              <a:t>10/21/24</a:t>
             </a:fld>
             <a:endParaRPr lang="en-US"/>
           </a:p>
@@ -5889,7 +5882,7 @@
           <a:p>
             <a:r>
               <a:rPr lang="en-US" dirty="0"/>
-              <a:t>Agenda – Stand up I</a:t>
+              <a:t>Agenda – Stand up II</a:t>
             </a:r>
           </a:p>
         </p:txBody>
@@ -5948,7 +5941,7 @@
 </file>
 
 <file path=ppt/slides/slide3.xml><?xml version="1.0" encoding="utf-8"?>
-<p:sld xmlns:a="http://schemas.openxmlformats.org/drawingml/2006/main" xmlns:r="http://schemas.openxmlformats.org/officeDocument/2006/relationships" xmlns:p="http://schemas.openxmlformats.org/presentationml/2006/main">
+<p:sld xmlns:a="http://schemas.openxmlformats.org/drawingml/2006/main" xmlns:r="http://schemas.openxmlformats.org/officeDocument/2006/relationships" xmlns:p="http://schemas.openxmlformats.org/presentationml/2006/main" show="0">
   <p:cSld>
     <p:spTree>
       <p:nvGrpSpPr>
@@ -6127,59 +6120,42 @@
             <a:pPr lvl="1"/>
             <a:r>
               <a:rPr lang="en-US" dirty="0"/>
-              <a:t>Simple Moving averages(MA) strategy</a:t>
-            </a:r>
-          </a:p>
-          <a:p>
-            <a:pPr lvl="2"/>
+              <a:t>LSTM – Predicting Algorithm	</a:t>
+            </a:r>
+          </a:p>
+          <a:p>
+            <a:pPr lvl="1"/>
             <a:r>
               <a:rPr lang="en-US" dirty="0"/>
-              <a:t>Back Testing in progress</a:t>
+              <a:t>Feature Importance and Selection</a:t>
+            </a:r>
+          </a:p>
+          <a:p>
+            <a:r>
+              <a:rPr lang="en-US" dirty="0"/>
+              <a:t>In Progress </a:t>
             </a:r>
           </a:p>
           <a:p>
             <a:pPr lvl="1"/>
             <a:r>
               <a:rPr lang="en-US" dirty="0"/>
-              <a:t>Relative Strength Index(RSI)</a:t>
-            </a:r>
-          </a:p>
-          <a:p>
-            <a:pPr lvl="2"/>
+              <a:t>VAR Model</a:t>
+            </a:r>
+          </a:p>
+          <a:p>
+            <a:pPr lvl="1"/>
             <a:r>
               <a:rPr lang="en-US" dirty="0"/>
-              <a:t>Combined with MA	</a:t>
-            </a:r>
-          </a:p>
-          <a:p>
+              <a:t>RL Agent (Experimenting with Different Algos)</a:t>
+            </a:r>
+          </a:p>
+          <a:p>
+            <a:pPr lvl="1"/>
             <a:r>
               <a:rPr lang="en-US" dirty="0"/>
-              <a:t>Planned </a:t>
-            </a:r>
-          </a:p>
-          <a:p>
-            <a:pPr lvl="1"/>
-            <a:r>
-              <a:rPr lang="en-US" dirty="0"/>
-              <a:t>EMA, WMA, CMA and pick the best</a:t>
-            </a:r>
-          </a:p>
-          <a:p>
-            <a:pPr lvl="1"/>
-            <a:r>
-              <a:rPr lang="en-US" dirty="0"/>
-              <a:t>Moving average Convergence divergence(MACD) </a:t>
-            </a:r>
-            <a:br>
-              <a:rPr lang="en-US" dirty="0"/>
-            </a:br>
-            <a:r>
-              <a:rPr lang="en-US" dirty="0"/>
-              <a:t>+ RSI</a:t>
-            </a:r>
-          </a:p>
-          <a:p>
-            <a:endParaRPr lang="en-US" dirty="0"/>
+              <a:t>RL Environment</a:t>
+            </a:r>
           </a:p>
           <a:p>
             <a:endParaRPr lang="en-US" dirty="0"/>
@@ -6453,13 +6429,21 @@
           <a:p>
             <a:r>
               <a:rPr lang="en-US" dirty="0"/>
-              <a:t>Evaluating using performance metrics</a:t>
-            </a:r>
-          </a:p>
-          <a:p>
+              <a:t>Predicting Price and Returns using LSTM</a:t>
+            </a:r>
+          </a:p>
+          <a:p>
+            <a:pPr lvl="1"/>
             <a:r>
               <a:rPr lang="en-US" dirty="0"/>
-              <a:t>Back testing Moving averages </a:t>
+              <a:t>1 Day</a:t>
+            </a:r>
+          </a:p>
+          <a:p>
+            <a:pPr lvl="1"/>
+            <a:r>
+              <a:rPr lang="en-US" dirty="0"/>
+              <a:t>30 Days (Throwing error)</a:t>
             </a:r>
           </a:p>
           <a:p>
@@ -7008,15 +6992,6 @@
 </file>
 
 <file path=customXml/item2.xml><?xml version="1.0" encoding="utf-8"?>
-<?mso-contentType ?>
-<FormTemplates xmlns="http://schemas.microsoft.com/sharepoint/v3/contenttype/forms">
-  <Display>DocumentLibraryForm</Display>
-  <Edit>DocumentLibraryForm</Edit>
-  <New>DocumentLibraryForm</New>
-</FormTemplates>
-</file>
-
-<file path=customXml/item3.xml><?xml version="1.0" encoding="utf-8"?>
 <ct:contentTypeSchema xmlns:ct="http://schemas.microsoft.com/office/2006/metadata/contentType" xmlns:ma="http://schemas.microsoft.com/office/2006/metadata/properties/metaAttributes" ct:_="" ma:_="" ma:contentTypeName="Document" ma:contentTypeID="0x010100FC4FF9440EFC6A459DF57816F4000C67" ma:contentTypeVersion="8" ma:contentTypeDescription="Create a new document." ma:contentTypeScope="" ma:versionID="8a7d90e84126aabbf379449bcd8b03e2">
   <xsd:schema xmlns:xsd="http://www.w3.org/2001/XMLSchema" xmlns:xs="http://www.w3.org/2001/XMLSchema" xmlns:p="http://schemas.microsoft.com/office/2006/metadata/properties" xmlns:ns3="7075bad5-233c-4b0e-9903-8affd2618abc" xmlns:ns4="7fc9a113-5fb1-49ba-90f0-f7064e123786" targetNamespace="http://schemas.microsoft.com/office/2006/metadata/properties" ma:root="true" ma:fieldsID="0389e895a75997c6fee9ec00d2c0ce57" ns3:_="" ns4:_="">
     <xsd:import namespace="7075bad5-233c-4b0e-9903-8affd2618abc"/>
@@ -7205,6 +7180,15 @@
 </ct:contentTypeSchema>
 </file>
 
+<file path=customXml/item3.xml><?xml version="1.0" encoding="utf-8"?>
+<?mso-contentType ?>
+<FormTemplates xmlns="http://schemas.microsoft.com/sharepoint/v3/contenttype/forms">
+  <Display>DocumentLibraryForm</Display>
+  <Edit>DocumentLibraryForm</Edit>
+  <New>DocumentLibraryForm</New>
+</FormTemplates>
+</file>
+
 <file path=customXml/itemProps1.xml><?xml version="1.0" encoding="utf-8"?>
 <ds:datastoreItem xmlns:ds="http://schemas.openxmlformats.org/officeDocument/2006/customXml" ds:itemID="{1EB1D61D-03E6-4AE6-9AEB-4C0517DF9C10}">
   <ds:schemaRefs>
@@ -7223,14 +7207,6 @@
 </file>
 
 <file path=customXml/itemProps2.xml><?xml version="1.0" encoding="utf-8"?>
-<ds:datastoreItem xmlns:ds="http://schemas.openxmlformats.org/officeDocument/2006/customXml" ds:itemID="{6FA10C29-5137-49FA-9F2D-040C21F563DC}">
-  <ds:schemaRefs>
-    <ds:schemaRef ds:uri="http://schemas.microsoft.com/sharepoint/v3/contenttype/forms"/>
-  </ds:schemaRefs>
-</ds:datastoreItem>
-</file>
-
-<file path=customXml/itemProps3.xml><?xml version="1.0" encoding="utf-8"?>
 <ds:datastoreItem xmlns:ds="http://schemas.openxmlformats.org/officeDocument/2006/customXml" ds:itemID="{B8132D64-B6F1-4733-9D89-E2C903EFB4BD}">
   <ds:schemaRefs>
     <ds:schemaRef ds:uri="http://schemas.microsoft.com/office/2006/metadata/contentType"/>
@@ -7247,4 +7223,12 @@
     <ds:schemaRef ds:uri="http://schemas.microsoft.com/internal/obd"/>
   </ds:schemaRefs>
 </ds:datastoreItem>
+</file>
+
+<file path=customXml/itemProps3.xml><?xml version="1.0" encoding="utf-8"?>
+<ds:datastoreItem xmlns:ds="http://schemas.openxmlformats.org/officeDocument/2006/customXml" ds:itemID="{6FA10C29-5137-49FA-9F2D-040C21F563DC}">
+  <ds:schemaRefs>
+    <ds:schemaRef ds:uri="http://schemas.microsoft.com/sharepoint/v3/contenttype/forms"/>
+  </ds:schemaRefs>
+</ds:datastoreItem>
 </file>
--- a/presentation/Standup 1.pptx
+++ b/presentation/Standup 1.pptx
@@ -5,16 +5,18 @@
     <p:sldMasterId id="2147483660" r:id="rId4"/>
   </p:sldMasterIdLst>
   <p:notesMasterIdLst>
-    <p:notesMasterId r:id="rId12"/>
+    <p:notesMasterId r:id="rId14"/>
   </p:notesMasterIdLst>
   <p:sldIdLst>
     <p:sldId id="256" r:id="rId5"/>
     <p:sldId id="257" r:id="rId6"/>
     <p:sldId id="258" r:id="rId7"/>
     <p:sldId id="262" r:id="rId8"/>
-    <p:sldId id="259" r:id="rId9"/>
-    <p:sldId id="261" r:id="rId10"/>
-    <p:sldId id="260" r:id="rId11"/>
+    <p:sldId id="297" r:id="rId9"/>
+    <p:sldId id="295" r:id="rId10"/>
+    <p:sldId id="296" r:id="rId11"/>
+    <p:sldId id="263" r:id="rId12"/>
+    <p:sldId id="260" r:id="rId13"/>
   </p:sldIdLst>
   <p:sldSz cx="12192000" cy="6858000"/>
   <p:notesSz cx="6858000" cy="9144000"/>
@@ -203,7 +205,7 @@
           <a:p>
             <a:fld id="{0D041FD0-D915-4EC7-8384-5AFD352B34A1}" type="datetimeFigureOut">
               <a:rPr lang="en-US" smtClean="0"/>
-              <a:t>10/21/24</a:t>
+              <a:t>11/18/24</a:t>
             </a:fld>
             <a:endParaRPr lang="en-US"/>
           </a:p>
@@ -652,6 +654,114 @@
   <p:cSld>
     <p:spTree>
       <p:nvGrpSpPr>
+        <p:cNvPr id="1" name="">
+          <a:extLst>
+            <a:ext uri="{FF2B5EF4-FFF2-40B4-BE49-F238E27FC236}">
+              <a16:creationId xmlns:a16="http://schemas.microsoft.com/office/drawing/2014/main" id="{D717FEE4-93CF-9424-B57B-7149141FBCF6}"/>
+            </a:ext>
+          </a:extLst>
+        </p:cNvPr>
+        <p:cNvGrpSpPr/>
+        <p:nvPr/>
+      </p:nvGrpSpPr>
+      <p:grpSpPr>
+        <a:xfrm>
+          <a:off x="0" y="0"/>
+          <a:ext cx="0" cy="0"/>
+          <a:chOff x="0" y="0"/>
+          <a:chExt cx="0" cy="0"/>
+        </a:xfrm>
+      </p:grpSpPr>
+      <p:sp>
+        <p:nvSpPr>
+          <p:cNvPr id="2" name="Slide Image Placeholder 1">
+            <a:extLst>
+              <a:ext uri="{FF2B5EF4-FFF2-40B4-BE49-F238E27FC236}">
+                <a16:creationId xmlns:a16="http://schemas.microsoft.com/office/drawing/2014/main" id="{D0EB01B6-BBC4-47F5-D22F-648306606E9A}"/>
+              </a:ext>
+            </a:extLst>
+          </p:cNvPr>
+          <p:cNvSpPr>
+            <a:spLocks noGrp="1" noRot="1" noChangeAspect="1"/>
+          </p:cNvSpPr>
+          <p:nvPr>
+            <p:ph type="sldImg"/>
+          </p:nvPr>
+        </p:nvSpPr>
+        <p:spPr/>
+      </p:sp>
+      <p:sp>
+        <p:nvSpPr>
+          <p:cNvPr id="3" name="Notes Placeholder 2">
+            <a:extLst>
+              <a:ext uri="{FF2B5EF4-FFF2-40B4-BE49-F238E27FC236}">
+                <a16:creationId xmlns:a16="http://schemas.microsoft.com/office/drawing/2014/main" id="{D19F3323-06C6-1D45-2C31-EC187C6D4838}"/>
+              </a:ext>
+            </a:extLst>
+          </p:cNvPr>
+          <p:cNvSpPr>
+            <a:spLocks noGrp="1"/>
+          </p:cNvSpPr>
+          <p:nvPr>
+            <p:ph type="body" idx="1"/>
+          </p:nvPr>
+        </p:nvSpPr>
+        <p:spPr/>
+        <p:txBody>
+          <a:bodyPr/>
+          <a:lstStyle/>
+          <a:p>
+            <a:endParaRPr lang="en-US" dirty="0"/>
+          </a:p>
+        </p:txBody>
+      </p:sp>
+      <p:sp>
+        <p:nvSpPr>
+          <p:cNvPr id="4" name="Slide Number Placeholder 3">
+            <a:extLst>
+              <a:ext uri="{FF2B5EF4-FFF2-40B4-BE49-F238E27FC236}">
+                <a16:creationId xmlns:a16="http://schemas.microsoft.com/office/drawing/2014/main" id="{7E6E5772-BC45-F80A-306A-63A1311781B7}"/>
+              </a:ext>
+            </a:extLst>
+          </p:cNvPr>
+          <p:cNvSpPr>
+            <a:spLocks noGrp="1"/>
+          </p:cNvSpPr>
+          <p:nvPr>
+            <p:ph type="sldNum" sz="quarter" idx="5"/>
+          </p:nvPr>
+        </p:nvSpPr>
+        <p:spPr/>
+        <p:txBody>
+          <a:bodyPr/>
+          <a:lstStyle/>
+          <a:p>
+            <a:fld id="{531D13CD-66F2-4CB3-ACBB-6CF6081D754D}" type="slidenum">
+              <a:rPr lang="en-US" smtClean="0"/>
+              <a:t>7</a:t>
+            </a:fld>
+            <a:endParaRPr lang="en-US"/>
+          </a:p>
+        </p:txBody>
+      </p:sp>
+    </p:spTree>
+    <p:extLst>
+      <p:ext uri="{BB962C8B-B14F-4D97-AF65-F5344CB8AC3E}">
+        <p14:creationId xmlns:p14="http://schemas.microsoft.com/office/powerpoint/2010/main" val="838489853"/>
+      </p:ext>
+    </p:extLst>
+  </p:cSld>
+  <p:clrMapOvr>
+    <a:masterClrMapping/>
+  </p:clrMapOvr>
+</p:notes>
+</file>
+
+<file path=ppt/notesSlides/notesSlide4.xml><?xml version="1.0" encoding="utf-8"?>
+<p:notes xmlns:a="http://schemas.openxmlformats.org/drawingml/2006/main" xmlns:r="http://schemas.openxmlformats.org/officeDocument/2006/relationships" xmlns:p="http://schemas.openxmlformats.org/presentationml/2006/main">
+  <p:cSld>
+    <p:spTree>
+      <p:nvGrpSpPr>
         <p:cNvPr id="1" name=""/>
         <p:cNvGrpSpPr/>
         <p:nvPr/>
@@ -766,7 +876,7 @@
           <a:p>
             <a:fld id="{531D13CD-66F2-4CB3-ACBB-6CF6081D754D}" type="slidenum">
               <a:rPr lang="en-US" smtClean="0"/>
-              <a:t>7</a:t>
+              <a:t>9</a:t>
             </a:fld>
             <a:endParaRPr lang="en-US"/>
           </a:p>
@@ -943,7 +1053,7 @@
           <a:p>
             <a:fld id="{02AC24A9-CCB6-4F8D-B8DB-C2F3692CFA5A}" type="datetimeFigureOut">
               <a:rPr lang="en-US" smtClean="0"/>
-              <a:t>10/21/24</a:t>
+              <a:t>11/18/24</a:t>
             </a:fld>
             <a:endParaRPr lang="en-US" dirty="0"/>
           </a:p>
@@ -1313,7 +1423,7 @@
           <a:p>
             <a:fld id="{02AC24A9-CCB6-4F8D-B8DB-C2F3692CFA5A}" type="datetimeFigureOut">
               <a:rPr lang="en-US" smtClean="0"/>
-              <a:t>10/21/24</a:t>
+              <a:t>11/18/24</a:t>
             </a:fld>
             <a:endParaRPr lang="en-US"/>
           </a:p>
@@ -1522,7 +1632,7 @@
           <a:p>
             <a:fld id="{02AC24A9-CCB6-4F8D-B8DB-C2F3692CFA5A}" type="datetimeFigureOut">
               <a:rPr lang="en-US" smtClean="0"/>
-              <a:t>10/21/24</a:t>
+              <a:t>11/18/24</a:t>
             </a:fld>
             <a:endParaRPr lang="en-US"/>
           </a:p>
@@ -1994,7 +2104,7 @@
           <a:p>
             <a:fld id="{02AC24A9-CCB6-4F8D-B8DB-C2F3692CFA5A}" type="datetimeFigureOut">
               <a:rPr lang="en-US" smtClean="0"/>
-              <a:t>10/21/24</a:t>
+              <a:t>11/18/24</a:t>
             </a:fld>
             <a:endParaRPr lang="en-US"/>
           </a:p>
@@ -2449,7 +2559,7 @@
           <a:p>
             <a:fld id="{02AC24A9-CCB6-4F8D-B8DB-C2F3692CFA5A}" type="datetimeFigureOut">
               <a:rPr lang="en-US" smtClean="0"/>
-              <a:t>10/21/24</a:t>
+              <a:t>11/18/24</a:t>
             </a:fld>
             <a:endParaRPr lang="en-US"/>
           </a:p>
@@ -2984,7 +3094,7 @@
           <a:p>
             <a:fld id="{02AC24A9-CCB6-4F8D-B8DB-C2F3692CFA5A}" type="datetimeFigureOut">
               <a:rPr lang="en-US" smtClean="0"/>
-              <a:t>10/21/24</a:t>
+              <a:t>11/18/24</a:t>
             </a:fld>
             <a:endParaRPr lang="en-US"/>
           </a:p>
@@ -3686,7 +3796,7 @@
           <a:p>
             <a:fld id="{02AC24A9-CCB6-4F8D-B8DB-C2F3692CFA5A}" type="datetimeFigureOut">
               <a:rPr lang="en-US" smtClean="0"/>
-              <a:t>10/21/24</a:t>
+              <a:t>11/18/24</a:t>
             </a:fld>
             <a:endParaRPr lang="en-US"/>
           </a:p>
@@ -4016,7 +4126,7 @@
           <a:p>
             <a:fld id="{02AC24A9-CCB6-4F8D-B8DB-C2F3692CFA5A}" type="datetimeFigureOut">
               <a:rPr lang="en-US" smtClean="0"/>
-              <a:t>10/21/24</a:t>
+              <a:t>11/18/24</a:t>
             </a:fld>
             <a:endParaRPr lang="en-US"/>
           </a:p>
@@ -4129,7 +4239,7 @@
           <a:p>
             <a:fld id="{02AC24A9-CCB6-4F8D-B8DB-C2F3692CFA5A}" type="datetimeFigureOut">
               <a:rPr lang="en-US" smtClean="0"/>
-              <a:t>10/21/24</a:t>
+              <a:t>11/18/24</a:t>
             </a:fld>
             <a:endParaRPr lang="en-US"/>
           </a:p>
@@ -4626,7 +4736,7 @@
           <a:p>
             <a:fld id="{02AC24A9-CCB6-4F8D-B8DB-C2F3692CFA5A}" type="datetimeFigureOut">
               <a:rPr lang="en-US" smtClean="0"/>
-              <a:t>10/21/24</a:t>
+              <a:t>11/18/24</a:t>
             </a:fld>
             <a:endParaRPr lang="en-US" dirty="0"/>
           </a:p>
@@ -5105,7 +5215,7 @@
           <a:p>
             <a:fld id="{02AC24A9-CCB6-4F8D-B8DB-C2F3692CFA5A}" type="datetimeFigureOut">
               <a:rPr lang="en-US" smtClean="0"/>
-              <a:t>10/21/24</a:t>
+              <a:t>11/18/24</a:t>
             </a:fld>
             <a:endParaRPr lang="en-US"/>
           </a:p>
@@ -5348,7 +5458,7 @@
           <a:p>
             <a:fld id="{02AC24A9-CCB6-4F8D-B8DB-C2F3692CFA5A}" type="datetimeFigureOut">
               <a:rPr lang="en-US" smtClean="0"/>
-              <a:t>10/21/24</a:t>
+              <a:t>11/18/24</a:t>
             </a:fld>
             <a:endParaRPr lang="en-US"/>
           </a:p>
@@ -5882,7 +5992,7 @@
           <a:p>
             <a:r>
               <a:rPr lang="en-US" dirty="0"/>
-              <a:t>Agenda – Stand up II</a:t>
+              <a:t>Agenda – Stand up III</a:t>
             </a:r>
           </a:p>
         </p:txBody>
@@ -6120,27 +6230,27 @@
             <a:pPr lvl="1"/>
             <a:r>
               <a:rPr lang="en-US" dirty="0"/>
-              <a:t>LSTM – Predicting Algorithm	</a:t>
+              <a:t>UI Framework	</a:t>
             </a:r>
           </a:p>
           <a:p>
             <a:pPr lvl="1"/>
             <a:r>
               <a:rPr lang="en-US" dirty="0"/>
-              <a:t>Feature Importance and Selection</a:t>
+              <a:t>Reinforce Algorithm</a:t>
             </a:r>
           </a:p>
           <a:p>
             <a:r>
               <a:rPr lang="en-US" dirty="0"/>
-              <a:t>In Progress </a:t>
+              <a:t>In Progress</a:t>
             </a:r>
           </a:p>
           <a:p>
             <a:pPr lvl="1"/>
             <a:r>
               <a:rPr lang="en-US" dirty="0"/>
-              <a:t>VAR Model</a:t>
+              <a:t>Forecasting Model Integration</a:t>
             </a:r>
           </a:p>
           <a:p>
@@ -6154,10 +6264,13 @@
             <a:pPr lvl="1"/>
             <a:r>
               <a:rPr lang="en-US" dirty="0"/>
-              <a:t>RL Environment</a:t>
-            </a:r>
-          </a:p>
-          <a:p>
+              <a:t>UI – Giving errors with data integration</a:t>
+            </a:r>
+          </a:p>
+          <a:p>
+            <a:pPr marL="0" indent="0">
+              <a:buNone/>
+            </a:pPr>
             <a:endParaRPr lang="en-US" dirty="0"/>
           </a:p>
         </p:txBody>
@@ -6194,10 +6307,10 @@
       </p:grpSpPr>
       <p:pic>
         <p:nvPicPr>
-          <p:cNvPr id="4" name="Picture 3">
-            <a:extLst>
-              <a:ext uri="{FF2B5EF4-FFF2-40B4-BE49-F238E27FC236}">
-                <a16:creationId xmlns:a16="http://schemas.microsoft.com/office/drawing/2014/main" id="{239A205D-4D6D-63F0-4294-E55BBE27EC88}"/>
+          <p:cNvPr id="6" name="Picture 5">
+            <a:extLst>
+              <a:ext uri="{FF2B5EF4-FFF2-40B4-BE49-F238E27FC236}">
+                <a16:creationId xmlns:a16="http://schemas.microsoft.com/office/drawing/2014/main" id="{D0582F51-37FD-3186-EDB0-6051E694F02A}"/>
               </a:ext>
             </a:extLst>
           </p:cNvPr>
@@ -6214,38 +6327,8 @@
         </p:blipFill>
         <p:spPr>
           <a:xfrm>
-            <a:off x="738187" y="317419"/>
-            <a:ext cx="8478985" cy="2892312"/>
-          </a:xfrm>
-          <a:prstGeom prst="rect">
-            <a:avLst/>
-          </a:prstGeom>
-        </p:spPr>
-      </p:pic>
-      <p:pic>
-        <p:nvPicPr>
-          <p:cNvPr id="5" name="Picture 4">
-            <a:extLst>
-              <a:ext uri="{FF2B5EF4-FFF2-40B4-BE49-F238E27FC236}">
-                <a16:creationId xmlns:a16="http://schemas.microsoft.com/office/drawing/2014/main" id="{D3562700-11AE-494B-1AC2-5A11B8CF17BB}"/>
-              </a:ext>
-            </a:extLst>
-          </p:cNvPr>
-          <p:cNvPicPr>
-            <a:picLocks noChangeAspect="1"/>
-          </p:cNvPicPr>
-          <p:nvPr/>
-        </p:nvPicPr>
-        <p:blipFill>
-          <a:blip r:embed="rId3"/>
-          <a:stretch>
-            <a:fillRect/>
-          </a:stretch>
-        </p:blipFill>
-        <p:spPr>
-          <a:xfrm>
-            <a:off x="738187" y="3648270"/>
-            <a:ext cx="9670657" cy="1978089"/>
+            <a:off x="1069694" y="529238"/>
+            <a:ext cx="8849598" cy="3128361"/>
           </a:xfrm>
           <a:prstGeom prst="rect">
             <a:avLst/>
@@ -6255,7 +6338,7 @@
     </p:spTree>
     <p:extLst>
       <p:ext uri="{BB962C8B-B14F-4D97-AF65-F5344CB8AC3E}">
-        <p14:creationId xmlns:p14="http://schemas.microsoft.com/office/powerpoint/2010/main" val="2711100579"/>
+        <p14:creationId xmlns:p14="http://schemas.microsoft.com/office/powerpoint/2010/main" val="2080252194"/>
       </p:ext>
     </p:extLst>
   </p:cSld>
@@ -6270,10 +6353,252 @@
   <p:cSld>
     <p:spTree>
       <p:nvGrpSpPr>
+        <p:cNvPr id="1" name=""/>
+        <p:cNvGrpSpPr/>
+        <p:nvPr/>
+      </p:nvGrpSpPr>
+      <p:grpSpPr>
+        <a:xfrm>
+          <a:off x="0" y="0"/>
+          <a:ext cx="0" cy="0"/>
+          <a:chOff x="0" y="0"/>
+          <a:chExt cx="0" cy="0"/>
+        </a:xfrm>
+      </p:grpSpPr>
+      <p:sp>
+        <p:nvSpPr>
+          <p:cNvPr id="2" name="Title 1">
+            <a:extLst>
+              <a:ext uri="{FF2B5EF4-FFF2-40B4-BE49-F238E27FC236}">
+                <a16:creationId xmlns:a16="http://schemas.microsoft.com/office/drawing/2014/main" id="{9C55A277-80ED-071E-0BB2-B7F5E5437D7E}"/>
+              </a:ext>
+            </a:extLst>
+          </p:cNvPr>
+          <p:cNvSpPr>
+            <a:spLocks noGrp="1"/>
+          </p:cNvSpPr>
+          <p:nvPr>
+            <p:ph type="title"/>
+          </p:nvPr>
+        </p:nvSpPr>
+        <p:spPr/>
+        <p:txBody>
+          <a:bodyPr/>
+          <a:lstStyle/>
+          <a:p>
+            <a:r>
+              <a:rPr lang="en-US" dirty="0"/>
+              <a:t>Gantt Chart</a:t>
+            </a:r>
+          </a:p>
+        </p:txBody>
+      </p:sp>
+      <p:pic>
+        <p:nvPicPr>
+          <p:cNvPr id="5" name="Picture 4">
+            <a:extLst>
+              <a:ext uri="{FF2B5EF4-FFF2-40B4-BE49-F238E27FC236}">
+                <a16:creationId xmlns:a16="http://schemas.microsoft.com/office/drawing/2014/main" id="{1C50ECFA-FD13-2B04-CCEA-55AF0D84BB6E}"/>
+              </a:ext>
+            </a:extLst>
+          </p:cNvPr>
+          <p:cNvPicPr>
+            <a:picLocks noChangeAspect="1"/>
+          </p:cNvPicPr>
+          <p:nvPr/>
+        </p:nvPicPr>
+        <p:blipFill>
+          <a:blip r:embed="rId2"/>
+          <a:stretch>
+            <a:fillRect/>
+          </a:stretch>
+        </p:blipFill>
+        <p:spPr>
+          <a:xfrm>
+            <a:off x="1050353" y="1701786"/>
+            <a:ext cx="10102913" cy="4607574"/>
+          </a:xfrm>
+          <a:prstGeom prst="rect">
+            <a:avLst/>
+          </a:prstGeom>
+        </p:spPr>
+      </p:pic>
+    </p:spTree>
+    <p:extLst>
+      <p:ext uri="{BB962C8B-B14F-4D97-AF65-F5344CB8AC3E}">
+        <p14:creationId xmlns:p14="http://schemas.microsoft.com/office/powerpoint/2010/main" val="2581830221"/>
+      </p:ext>
+    </p:extLst>
+  </p:cSld>
+  <p:clrMapOvr>
+    <a:masterClrMapping/>
+  </p:clrMapOvr>
+</p:sld>
+</file>
+
+<file path=ppt/slides/slide7.xml><?xml version="1.0" encoding="utf-8"?>
+<p:sld xmlns:a="http://schemas.openxmlformats.org/drawingml/2006/main" xmlns:r="http://schemas.openxmlformats.org/officeDocument/2006/relationships" xmlns:p="http://schemas.openxmlformats.org/presentationml/2006/main" show="0">
+  <p:cSld>
+    <p:spTree>
+      <p:nvGrpSpPr>
         <p:cNvPr id="1" name="">
           <a:extLst>
             <a:ext uri="{FF2B5EF4-FFF2-40B4-BE49-F238E27FC236}">
-              <a16:creationId xmlns:a16="http://schemas.microsoft.com/office/drawing/2014/main" id="{D669C75D-6389-7D22-A4BF-B711BDA7526A}"/>
+              <a16:creationId xmlns:a16="http://schemas.microsoft.com/office/drawing/2014/main" id="{D32E1A35-0105-71DC-8678-8DB9FC3E1A4C}"/>
+            </a:ext>
+          </a:extLst>
+        </p:cNvPr>
+        <p:cNvGrpSpPr/>
+        <p:nvPr/>
+      </p:nvGrpSpPr>
+      <p:grpSpPr>
+        <a:xfrm>
+          <a:off x="0" y="0"/>
+          <a:ext cx="0" cy="0"/>
+          <a:chOff x="0" y="0"/>
+          <a:chExt cx="0" cy="0"/>
+        </a:xfrm>
+      </p:grpSpPr>
+      <p:sp>
+        <p:nvSpPr>
+          <p:cNvPr id="2" name="Title 1">
+            <a:extLst>
+              <a:ext uri="{FF2B5EF4-FFF2-40B4-BE49-F238E27FC236}">
+                <a16:creationId xmlns:a16="http://schemas.microsoft.com/office/drawing/2014/main" id="{49108AE3-53FE-3217-8152-39080ED355BC}"/>
+              </a:ext>
+            </a:extLst>
+          </p:cNvPr>
+          <p:cNvSpPr>
+            <a:spLocks noGrp="1"/>
+          </p:cNvSpPr>
+          <p:nvPr>
+            <p:ph type="title"/>
+          </p:nvPr>
+        </p:nvSpPr>
+        <p:spPr/>
+        <p:txBody>
+          <a:bodyPr/>
+          <a:lstStyle/>
+          <a:p>
+            <a:r>
+              <a:rPr lang="en-US" dirty="0"/>
+              <a:t>Update</a:t>
+            </a:r>
+          </a:p>
+        </p:txBody>
+      </p:sp>
+      <p:sp>
+        <p:nvSpPr>
+          <p:cNvPr id="3" name="Content Placeholder 2">
+            <a:extLst>
+              <a:ext uri="{FF2B5EF4-FFF2-40B4-BE49-F238E27FC236}">
+                <a16:creationId xmlns:a16="http://schemas.microsoft.com/office/drawing/2014/main" id="{CAD80B3A-FE97-C9A1-F71B-535C27C73CB3}"/>
+              </a:ext>
+            </a:extLst>
+          </p:cNvPr>
+          <p:cNvSpPr>
+            <a:spLocks noGrp="1"/>
+          </p:cNvSpPr>
+          <p:nvPr>
+            <p:ph idx="1"/>
+          </p:nvPr>
+        </p:nvSpPr>
+        <p:spPr>
+          <a:xfrm>
+            <a:off x="1115568" y="2478023"/>
+            <a:ext cx="10168128" cy="4295851"/>
+          </a:xfrm>
+        </p:spPr>
+        <p:txBody>
+          <a:bodyPr>
+            <a:normAutofit/>
+          </a:bodyPr>
+          <a:lstStyle/>
+          <a:p>
+            <a:r>
+              <a:rPr lang="en-US" dirty="0"/>
+              <a:t>Implemented </a:t>
+            </a:r>
+          </a:p>
+          <a:p>
+            <a:pPr lvl="1"/>
+            <a:r>
+              <a:rPr lang="en-US" dirty="0"/>
+              <a:t>LSTM – Predicting Algorithm	</a:t>
+            </a:r>
+          </a:p>
+          <a:p>
+            <a:pPr lvl="1"/>
+            <a:r>
+              <a:rPr lang="en-US" dirty="0"/>
+              <a:t>Feature Importance and Selection</a:t>
+            </a:r>
+          </a:p>
+          <a:p>
+            <a:r>
+              <a:rPr lang="en-US" dirty="0"/>
+              <a:t>In Progress</a:t>
+            </a:r>
+          </a:p>
+          <a:p>
+            <a:pPr lvl="1"/>
+            <a:r>
+              <a:rPr lang="en-US" dirty="0"/>
+              <a:t>VAR Model</a:t>
+            </a:r>
+          </a:p>
+          <a:p>
+            <a:pPr lvl="1"/>
+            <a:r>
+              <a:rPr lang="en-US" dirty="0" err="1"/>
+              <a:t>TimeMixer</a:t>
+            </a:r>
+            <a:r>
+              <a:rPr lang="en-US" dirty="0"/>
+              <a:t> Integration</a:t>
+            </a:r>
+          </a:p>
+          <a:p>
+            <a:pPr lvl="1"/>
+            <a:r>
+              <a:rPr lang="en-US" dirty="0"/>
+              <a:t>RL Agent (Experimenting with Different Algos)</a:t>
+            </a:r>
+          </a:p>
+          <a:p>
+            <a:pPr lvl="1"/>
+            <a:r>
+              <a:rPr lang="en-US" dirty="0"/>
+              <a:t>RL Environment</a:t>
+            </a:r>
+          </a:p>
+          <a:p>
+            <a:endParaRPr lang="en-US" dirty="0"/>
+          </a:p>
+        </p:txBody>
+      </p:sp>
+    </p:spTree>
+    <p:extLst>
+      <p:ext uri="{BB962C8B-B14F-4D97-AF65-F5344CB8AC3E}">
+        <p14:creationId xmlns:p14="http://schemas.microsoft.com/office/powerpoint/2010/main" val="71131032"/>
+      </p:ext>
+    </p:extLst>
+  </p:cSld>
+  <p:clrMapOvr>
+    <a:masterClrMapping/>
+  </p:clrMapOvr>
+</p:sld>
+</file>
+
+<file path=ppt/slides/slide8.xml><?xml version="1.0" encoding="utf-8"?>
+<p:sld xmlns:a="http://schemas.openxmlformats.org/drawingml/2006/main" xmlns:r="http://schemas.openxmlformats.org/officeDocument/2006/relationships" xmlns:p="http://schemas.openxmlformats.org/presentationml/2006/main" show="0">
+  <p:cSld>
+    <p:spTree>
+      <p:nvGrpSpPr>
+        <p:cNvPr id="1" name="">
+          <a:extLst>
+            <a:ext uri="{FF2B5EF4-FFF2-40B4-BE49-F238E27FC236}">
+              <a16:creationId xmlns:a16="http://schemas.microsoft.com/office/drawing/2014/main" id="{C01FA2E0-3E91-2C63-78CC-673CAD3799AA}"/>
             </a:ext>
           </a:extLst>
         </p:cNvPr>
@@ -6290,10 +6615,10 @@
       </p:grpSpPr>
       <p:pic>
         <p:nvPicPr>
-          <p:cNvPr id="3" name="Picture 2">
-            <a:extLst>
-              <a:ext uri="{FF2B5EF4-FFF2-40B4-BE49-F238E27FC236}">
-                <a16:creationId xmlns:a16="http://schemas.microsoft.com/office/drawing/2014/main" id="{0E944F59-C331-17E7-89CC-8EC9772DDC2C}"/>
+          <p:cNvPr id="4" name="Picture 3">
+            <a:extLst>
+              <a:ext uri="{FF2B5EF4-FFF2-40B4-BE49-F238E27FC236}">
+                <a16:creationId xmlns:a16="http://schemas.microsoft.com/office/drawing/2014/main" id="{7C0B6F81-0983-D2CE-37CD-A1649A98FF89}"/>
               </a:ext>
             </a:extLst>
           </p:cNvPr>
@@ -6310,38 +6635,8 @@
         </p:blipFill>
         <p:spPr>
           <a:xfrm>
-            <a:off x="1033106" y="600918"/>
-            <a:ext cx="8592036" cy="2328894"/>
-          </a:xfrm>
-          <a:prstGeom prst="rect">
-            <a:avLst/>
-          </a:prstGeom>
-        </p:spPr>
-      </p:pic>
-      <p:pic>
-        <p:nvPicPr>
-          <p:cNvPr id="2" name="Picture 1">
-            <a:extLst>
-              <a:ext uri="{FF2B5EF4-FFF2-40B4-BE49-F238E27FC236}">
-                <a16:creationId xmlns:a16="http://schemas.microsoft.com/office/drawing/2014/main" id="{F2907595-A82D-0C61-0077-E84DD009A8BD}"/>
-              </a:ext>
-            </a:extLst>
-          </p:cNvPr>
-          <p:cNvPicPr>
-            <a:picLocks noChangeAspect="1"/>
-          </p:cNvPicPr>
-          <p:nvPr/>
-        </p:nvPicPr>
-        <p:blipFill>
-          <a:blip r:embed="rId3"/>
-          <a:stretch>
-            <a:fillRect/>
-          </a:stretch>
-        </p:blipFill>
-        <p:spPr>
-          <a:xfrm>
-            <a:off x="1033106" y="3426307"/>
-            <a:ext cx="7772400" cy="2830775"/>
+            <a:off x="838200" y="543274"/>
+            <a:ext cx="8463742" cy="2863105"/>
           </a:xfrm>
           <a:prstGeom prst="rect">
             <a:avLst/>
@@ -6351,7 +6646,7 @@
     </p:spTree>
     <p:extLst>
       <p:ext uri="{BB962C8B-B14F-4D97-AF65-F5344CB8AC3E}">
-        <p14:creationId xmlns:p14="http://schemas.microsoft.com/office/powerpoint/2010/main" val="521069062"/>
+        <p14:creationId xmlns:p14="http://schemas.microsoft.com/office/powerpoint/2010/main" val="2841928279"/>
       </p:ext>
     </p:extLst>
   </p:cSld>
@@ -6361,8 +6656,8 @@
 </p:sld>
 </file>
 
-<file path=ppt/slides/slide7.xml><?xml version="1.0" encoding="utf-8"?>
-<p:sld xmlns:a="http://schemas.openxmlformats.org/drawingml/2006/main" xmlns:r="http://schemas.openxmlformats.org/officeDocument/2006/relationships" xmlns:p="http://schemas.openxmlformats.org/presentationml/2006/main">
+<file path=ppt/slides/slide9.xml><?xml version="1.0" encoding="utf-8"?>
+<p:sld xmlns:a="http://schemas.openxmlformats.org/drawingml/2006/main" xmlns:r="http://schemas.openxmlformats.org/officeDocument/2006/relationships" xmlns:p="http://schemas.openxmlformats.org/presentationml/2006/main" show="0">
   <p:cSld>
     <p:spTree>
       <p:nvGrpSpPr>
@@ -6445,6 +6740,10 @@
               <a:rPr lang="en-US" dirty="0"/>
               <a:t>30 Days (Throwing error)</a:t>
             </a:r>
+          </a:p>
+          <a:p>
+            <a:pPr lvl="1"/>
+            <a:endParaRPr lang="en-US" dirty="0"/>
           </a:p>
           <a:p>
             <a:pPr marL="0" indent="0">
@@ -6992,6 +7291,15 @@
 </file>
 
 <file path=customXml/item2.xml><?xml version="1.0" encoding="utf-8"?>
+<?mso-contentType ?>
+<FormTemplates xmlns="http://schemas.microsoft.com/sharepoint/v3/contenttype/forms">
+  <Display>DocumentLibraryForm</Display>
+  <Edit>DocumentLibraryForm</Edit>
+  <New>DocumentLibraryForm</New>
+</FormTemplates>
+</file>
+
+<file path=customXml/item3.xml><?xml version="1.0" encoding="utf-8"?>
 <ct:contentTypeSchema xmlns:ct="http://schemas.microsoft.com/office/2006/metadata/contentType" xmlns:ma="http://schemas.microsoft.com/office/2006/metadata/properties/metaAttributes" ct:_="" ma:_="" ma:contentTypeName="Document" ma:contentTypeID="0x010100FC4FF9440EFC6A459DF57816F4000C67" ma:contentTypeVersion="8" ma:contentTypeDescription="Create a new document." ma:contentTypeScope="" ma:versionID="8a7d90e84126aabbf379449bcd8b03e2">
   <xsd:schema xmlns:xsd="http://www.w3.org/2001/XMLSchema" xmlns:xs="http://www.w3.org/2001/XMLSchema" xmlns:p="http://schemas.microsoft.com/office/2006/metadata/properties" xmlns:ns3="7075bad5-233c-4b0e-9903-8affd2618abc" xmlns:ns4="7fc9a113-5fb1-49ba-90f0-f7064e123786" targetNamespace="http://schemas.microsoft.com/office/2006/metadata/properties" ma:root="true" ma:fieldsID="0389e895a75997c6fee9ec00d2c0ce57" ns3:_="" ns4:_="">
     <xsd:import namespace="7075bad5-233c-4b0e-9903-8affd2618abc"/>
@@ -7180,15 +7488,6 @@
 </ct:contentTypeSchema>
 </file>
 
-<file path=customXml/item3.xml><?xml version="1.0" encoding="utf-8"?>
-<?mso-contentType ?>
-<FormTemplates xmlns="http://schemas.microsoft.com/sharepoint/v3/contenttype/forms">
-  <Display>DocumentLibraryForm</Display>
-  <Edit>DocumentLibraryForm</Edit>
-  <New>DocumentLibraryForm</New>
-</FormTemplates>
-</file>
-
 <file path=customXml/itemProps1.xml><?xml version="1.0" encoding="utf-8"?>
 <ds:datastoreItem xmlns:ds="http://schemas.openxmlformats.org/officeDocument/2006/customXml" ds:itemID="{1EB1D61D-03E6-4AE6-9AEB-4C0517DF9C10}">
   <ds:schemaRefs>
@@ -7207,6 +7506,14 @@
 </file>
 
 <file path=customXml/itemProps2.xml><?xml version="1.0" encoding="utf-8"?>
+<ds:datastoreItem xmlns:ds="http://schemas.openxmlformats.org/officeDocument/2006/customXml" ds:itemID="{6FA10C29-5137-49FA-9F2D-040C21F563DC}">
+  <ds:schemaRefs>
+    <ds:schemaRef ds:uri="http://schemas.microsoft.com/sharepoint/v3/contenttype/forms"/>
+  </ds:schemaRefs>
+</ds:datastoreItem>
+</file>
+
+<file path=customXml/itemProps3.xml><?xml version="1.0" encoding="utf-8"?>
 <ds:datastoreItem xmlns:ds="http://schemas.openxmlformats.org/officeDocument/2006/customXml" ds:itemID="{B8132D64-B6F1-4733-9D89-E2C903EFB4BD}">
   <ds:schemaRefs>
     <ds:schemaRef ds:uri="http://schemas.microsoft.com/office/2006/metadata/contentType"/>
@@ -7223,12 +7530,4 @@
     <ds:schemaRef ds:uri="http://schemas.microsoft.com/internal/obd"/>
   </ds:schemaRefs>
 </ds:datastoreItem>
-</file>
-
-<file path=customXml/itemProps3.xml><?xml version="1.0" encoding="utf-8"?>
-<ds:datastoreItem xmlns:ds="http://schemas.openxmlformats.org/officeDocument/2006/customXml" ds:itemID="{6FA10C29-5137-49FA-9F2D-040C21F563DC}">
-  <ds:schemaRefs>
-    <ds:schemaRef ds:uri="http://schemas.microsoft.com/sharepoint/v3/contenttype/forms"/>
-  </ds:schemaRefs>
-</ds:datastoreItem>
 </file>